--- a/materials/slides/ch03.pptx
+++ b/materials/slides/ch03.pptx
@@ -36,20 +36,20 @@
   <p:notesSz cx="6858000" cy="9144000"/>
   <p:embeddedFontLst>
     <p:embeddedFont>
-      <p:font typeface="微软雅黑" panose="020B0503020204020204" pitchFamily="34" charset="-122"/>
+      <p:font typeface="Calibri" panose="020F0502020204030204" pitchFamily="34" charset="0"/>
       <p:regular r:id="rId26"/>
       <p:bold r:id="rId27"/>
-    </p:embeddedFont>
-    <p:embeddedFont>
-      <p:font typeface="Calibri" panose="020F0502020204030204" pitchFamily="34" charset="0"/>
-      <p:regular r:id="rId28"/>
-      <p:bold r:id="rId29"/>
-      <p:italic r:id="rId30"/>
-      <p:boldItalic r:id="rId31"/>
+      <p:italic r:id="rId28"/>
+      <p:boldItalic r:id="rId29"/>
     </p:embeddedFont>
     <p:embeddedFont>
       <p:font typeface="黑体" panose="02010609060101010101" pitchFamily="49" charset="-122"/>
-      <p:regular r:id="rId32"/>
+      <p:regular r:id="rId30"/>
+    </p:embeddedFont>
+    <p:embeddedFont>
+      <p:font typeface="微软雅黑" panose="020B0503020204020204" pitchFamily="34" charset="-122"/>
+      <p:regular r:id="rId31"/>
+      <p:bold r:id="rId32"/>
     </p:embeddedFont>
   </p:embeddedFontLst>
   <p:defaultTextStyle>
@@ -194,10 +194,6 @@
     </p:ext>
   </p:extLst>
 </p:presentation>
-</file>
-
-<file path=ppt/revisionInfo.xml><?xml version="1.0" encoding="utf-8"?>
-<p1510:revInfo xmlns:a="http://schemas.openxmlformats.org/drawingml/2006/main" xmlns:r="http://schemas.openxmlformats.org/officeDocument/2006/relationships" xmlns:p1510="http://schemas.microsoft.com/office/powerpoint/2015/10/main"/>
 </file>
 
 <file path=ppt/ink/ink1.xml><?xml version="1.0" encoding="utf-8"?>
@@ -413,7 +409,7 @@
               <a:pPr>
                 <a:defRPr/>
               </a:pPr>
-              <a:t>2018/2/5</a:t>
+              <a:t>2019/7/16</a:t>
             </a:fld>
             <a:endParaRPr lang="zh-CN" altLang="en-US"/>
           </a:p>
@@ -1943,7 +1939,7 @@
           <a:graphicData uri="http://schemas.openxmlformats.org/presentationml/2006/ole">
             <mc:AlternateContent xmlns:mc="http://schemas.openxmlformats.org/markup-compatibility/2006">
               <mc:Choice xmlns:v="urn:schemas-microsoft-com:vml" Requires="v">
-                <p:oleObj spid="_x0000_s47123" r:id="rId4" imgW="7222617" imgH="1138809" progId="">
+                <p:oleObj spid="_x0000_s47124" r:id="rId4" imgW="7222617" imgH="1138809" progId="">
                   <p:embed/>
                 </p:oleObj>
               </mc:Choice>
@@ -2271,7 +2267,7 @@
               <a:pPr>
                 <a:defRPr/>
               </a:pPr>
-              <a:t>2018/2/5</a:t>
+              <a:t>2019/7/16</a:t>
             </a:fld>
             <a:endParaRPr lang="zh-CN" altLang="en-US"/>
           </a:p>
@@ -2476,7 +2472,7 @@
               <a:pPr>
                 <a:defRPr/>
               </a:pPr>
-              <a:t>2018/2/5</a:t>
+              <a:t>2019/7/16</a:t>
             </a:fld>
             <a:endParaRPr lang="zh-CN" altLang="en-US"/>
           </a:p>
@@ -2641,7 +2637,7 @@
           <a:graphicData uri="http://schemas.openxmlformats.org/presentationml/2006/ole">
             <mc:AlternateContent xmlns:mc="http://schemas.openxmlformats.org/markup-compatibility/2006">
               <mc:Choice xmlns:v="urn:schemas-microsoft-com:vml" Requires="v">
-                <p:oleObj spid="_x0000_s52243" r:id="rId4" imgW="7222617" imgH="1138809" progId="">
+                <p:oleObj spid="_x0000_s52244" r:id="rId4" imgW="7222617" imgH="1138809" progId="">
                   <p:embed/>
                 </p:oleObj>
               </mc:Choice>
@@ -3073,7 +3069,7 @@
           <a:graphicData uri="http://schemas.openxmlformats.org/presentationml/2006/ole">
             <mc:AlternateContent xmlns:mc="http://schemas.openxmlformats.org/markup-compatibility/2006">
               <mc:Choice xmlns:v="urn:schemas-microsoft-com:vml" Requires="v">
-                <p:oleObj spid="_x0000_s48147" r:id="rId4" imgW="7222617" imgH="1138809" progId="">
+                <p:oleObj spid="_x0000_s48148" r:id="rId4" imgW="7222617" imgH="1138809" progId="">
                   <p:embed/>
                 </p:oleObj>
               </mc:Choice>
@@ -3494,7 +3490,7 @@
           <a:graphicData uri="http://schemas.openxmlformats.org/presentationml/2006/ole">
             <mc:AlternateContent xmlns:mc="http://schemas.openxmlformats.org/markup-compatibility/2006">
               <mc:Choice xmlns:v="urn:schemas-microsoft-com:vml" Requires="v">
-                <p:oleObj spid="_x0000_s49171" r:id="rId4" imgW="7222617" imgH="1138809" progId="">
+                <p:oleObj spid="_x0000_s49172" r:id="rId4" imgW="7222617" imgH="1138809" progId="">
                   <p:embed/>
                 </p:oleObj>
               </mc:Choice>
@@ -3899,7 +3895,7 @@
           <a:graphicData uri="http://schemas.openxmlformats.org/presentationml/2006/ole">
             <mc:AlternateContent xmlns:mc="http://schemas.openxmlformats.org/markup-compatibility/2006">
               <mc:Choice xmlns:v="urn:schemas-microsoft-com:vml" Requires="v">
-                <p:oleObj spid="_x0000_s50195" r:id="rId4" imgW="7222617" imgH="1138809" progId="">
+                <p:oleObj spid="_x0000_s50196" r:id="rId4" imgW="7222617" imgH="1138809" progId="">
                   <p:embed/>
                 </p:oleObj>
               </mc:Choice>
@@ -4318,7 +4314,7 @@
               <a:pPr>
                 <a:defRPr/>
               </a:pPr>
-              <a:t>2018/2/5</a:t>
+              <a:t>2019/7/16</a:t>
             </a:fld>
             <a:endParaRPr lang="zh-CN" altLang="en-US"/>
           </a:p>
@@ -4764,7 +4760,7 @@
               <a:pPr>
                 <a:defRPr/>
               </a:pPr>
-              <a:t>2018/2/5</a:t>
+              <a:t>2019/7/16</a:t>
             </a:fld>
             <a:endParaRPr lang="zh-CN" altLang="en-US"/>
           </a:p>
@@ -4929,7 +4925,7 @@
           <a:graphicData uri="http://schemas.openxmlformats.org/presentationml/2006/ole">
             <mc:AlternateContent xmlns:mc="http://schemas.openxmlformats.org/markup-compatibility/2006">
               <mc:Choice xmlns:v="urn:schemas-microsoft-com:vml" Requires="v">
-                <p:oleObj spid="_x0000_s51219" r:id="rId4" imgW="7222617" imgH="1138809" progId="">
+                <p:oleObj spid="_x0000_s51220" r:id="rId4" imgW="7222617" imgH="1138809" progId="">
                   <p:embed/>
                 </p:oleObj>
               </mc:Choice>
@@ -5180,7 +5176,7 @@
               <a:pPr>
                 <a:defRPr/>
               </a:pPr>
-              <a:t>2018/2/5</a:t>
+              <a:t>2019/7/16</a:t>
             </a:fld>
             <a:endParaRPr lang="zh-CN" altLang="en-US"/>
           </a:p>
@@ -5302,7 +5298,7 @@
               <a:pPr>
                 <a:defRPr/>
               </a:pPr>
-              <a:t>2018/2/5</a:t>
+              <a:t>2019/7/16</a:t>
             </a:fld>
             <a:endParaRPr lang="zh-CN" altLang="en-US"/>
           </a:p>
@@ -5604,7 +5600,7 @@
               <a:pPr>
                 <a:defRPr/>
               </a:pPr>
-              <a:t>2018/2/5</a:t>
+              <a:t>2019/7/16</a:t>
             </a:fld>
             <a:endParaRPr lang="zh-CN" altLang="en-US"/>
           </a:p>
@@ -5886,7 +5882,7 @@
               <a:pPr>
                 <a:defRPr/>
               </a:pPr>
-              <a:t>2018/2/5</a:t>
+              <a:t>2019/7/16</a:t>
             </a:fld>
             <a:endParaRPr lang="zh-CN" altLang="en-US"/>
           </a:p>
@@ -6233,7 +6229,7 @@
               <a:pPr>
                 <a:defRPr/>
               </a:pPr>
-              <a:t>2018/2/5</a:t>
+              <a:t>2019/7/16</a:t>
             </a:fld>
             <a:endParaRPr lang="zh-CN" altLang="en-US"/>
           </a:p>
@@ -6354,7 +6350,7 @@
           <a:graphicData uri="http://schemas.openxmlformats.org/presentationml/2006/ole">
             <mc:AlternateContent xmlns:mc="http://schemas.openxmlformats.org/markup-compatibility/2006">
               <mc:Choice xmlns:v="urn:schemas-microsoft-com:vml" Requires="v">
-                <p:oleObj spid="_x0000_s1052" r:id="rId16" imgW="7222617" imgH="1138809" progId="">
+                <p:oleObj spid="_x0000_s1053" r:id="rId16" imgW="7222617" imgH="1138809" progId="">
                   <p:embed/>
                 </p:oleObj>
               </mc:Choice>
@@ -6957,8 +6953,8 @@
           </a:p>
         </p:txBody>
       </p:sp>
-      <mc:AlternateContent xmlns:mc="http://schemas.openxmlformats.org/markup-compatibility/2006">
-        <mc:Choice xmlns:p14="http://schemas.microsoft.com/office/powerpoint/2010/main" Requires="p14">
+      <mc:AlternateContent xmlns:mc="http://schemas.openxmlformats.org/markup-compatibility/2006" xmlns:p14="http://schemas.microsoft.com/office/powerpoint/2010/main">
+        <mc:Choice Requires="p14">
           <p:contentPart p14:bwMode="auto" r:id="rId3">
             <p14:nvContentPartPr>
               <p14:cNvPr id="3" name="墨迹 2"/>
@@ -6971,7 +6967,7 @@
             </p14:xfrm>
           </p:contentPart>
         </mc:Choice>
-        <mc:Fallback>
+        <mc:Fallback xmlns="">
           <p:pic>
             <p:nvPicPr>
               <p:cNvPr id="3" name="墨迹 2"/>
@@ -6996,8 +6992,8 @@
           </p:pic>
         </mc:Fallback>
       </mc:AlternateContent>
-      <mc:AlternateContent xmlns:mc="http://schemas.openxmlformats.org/markup-compatibility/2006">
-        <mc:Choice xmlns:p14="http://schemas.microsoft.com/office/powerpoint/2010/main" Requires="p14">
+      <mc:AlternateContent xmlns:mc="http://schemas.openxmlformats.org/markup-compatibility/2006" xmlns:p14="http://schemas.microsoft.com/office/powerpoint/2010/main">
+        <mc:Choice Requires="p14">
           <p:contentPart p14:bwMode="auto" r:id="rId5">
             <p14:nvContentPartPr>
               <p14:cNvPr id="5" name="墨迹 4"/>
@@ -7010,7 +7006,7 @@
             </p14:xfrm>
           </p:contentPart>
         </mc:Choice>
-        <mc:Fallback>
+        <mc:Fallback xmlns="">
           <p:pic>
             <p:nvPicPr>
               <p:cNvPr id="5" name="墨迹 4"/>
@@ -9725,7 +9721,11 @@
             </a:r>
             <a:r>
               <a:rPr lang="zh-CN" altLang="en-US" dirty="0"/>
-              <a:t>”的形式。</a:t>
+              <a:t>”的</a:t>
+            </a:r>
+            <a:r>
+              <a:rPr lang="zh-CN" altLang="en-US"/>
+              <a:t>形式。 </a:t>
             </a:r>
             <a:endParaRPr lang="en-US" altLang="zh-CN" dirty="0"/>
           </a:p>
